--- a/storyboard.pptx
+++ b/storyboard.pptx
@@ -262,7 +262,7 @@
           <a:p>
             <a:fld id="{7223F498-D5D5-4AA7-A2DE-D0E93D90491D}" type="datetimeFigureOut">
               <a:rPr lang="ko-KR" altLang="en-US" smtClean="0"/>
-              <a:t>2022-09-26</a:t>
+              <a:t>2022-09-27</a:t>
             </a:fld>
             <a:endParaRPr lang="ko-KR" altLang="en-US"/>
           </a:p>
@@ -460,7 +460,7 @@
           <a:p>
             <a:fld id="{7223F498-D5D5-4AA7-A2DE-D0E93D90491D}" type="datetimeFigureOut">
               <a:rPr lang="ko-KR" altLang="en-US" smtClean="0"/>
-              <a:t>2022-09-26</a:t>
+              <a:t>2022-09-27</a:t>
             </a:fld>
             <a:endParaRPr lang="ko-KR" altLang="en-US"/>
           </a:p>
@@ -668,7 +668,7 @@
           <a:p>
             <a:fld id="{7223F498-D5D5-4AA7-A2DE-D0E93D90491D}" type="datetimeFigureOut">
               <a:rPr lang="ko-KR" altLang="en-US" smtClean="0"/>
-              <a:t>2022-09-26</a:t>
+              <a:t>2022-09-27</a:t>
             </a:fld>
             <a:endParaRPr lang="ko-KR" altLang="en-US"/>
           </a:p>
@@ -866,7 +866,7 @@
           <a:p>
             <a:fld id="{7223F498-D5D5-4AA7-A2DE-D0E93D90491D}" type="datetimeFigureOut">
               <a:rPr lang="ko-KR" altLang="en-US" smtClean="0"/>
-              <a:t>2022-09-26</a:t>
+              <a:t>2022-09-27</a:t>
             </a:fld>
             <a:endParaRPr lang="ko-KR" altLang="en-US"/>
           </a:p>
@@ -1141,7 +1141,7 @@
           <a:p>
             <a:fld id="{7223F498-D5D5-4AA7-A2DE-D0E93D90491D}" type="datetimeFigureOut">
               <a:rPr lang="ko-KR" altLang="en-US" smtClean="0"/>
-              <a:t>2022-09-26</a:t>
+              <a:t>2022-09-27</a:t>
             </a:fld>
             <a:endParaRPr lang="ko-KR" altLang="en-US"/>
           </a:p>
@@ -1406,7 +1406,7 @@
           <a:p>
             <a:fld id="{7223F498-D5D5-4AA7-A2DE-D0E93D90491D}" type="datetimeFigureOut">
               <a:rPr lang="ko-KR" altLang="en-US" smtClean="0"/>
-              <a:t>2022-09-26</a:t>
+              <a:t>2022-09-27</a:t>
             </a:fld>
             <a:endParaRPr lang="ko-KR" altLang="en-US"/>
           </a:p>
@@ -1818,7 +1818,7 @@
           <a:p>
             <a:fld id="{7223F498-D5D5-4AA7-A2DE-D0E93D90491D}" type="datetimeFigureOut">
               <a:rPr lang="ko-KR" altLang="en-US" smtClean="0"/>
-              <a:t>2022-09-26</a:t>
+              <a:t>2022-09-27</a:t>
             </a:fld>
             <a:endParaRPr lang="ko-KR" altLang="en-US"/>
           </a:p>
@@ -1959,7 +1959,7 @@
           <a:p>
             <a:fld id="{7223F498-D5D5-4AA7-A2DE-D0E93D90491D}" type="datetimeFigureOut">
               <a:rPr lang="ko-KR" altLang="en-US" smtClean="0"/>
-              <a:t>2022-09-26</a:t>
+              <a:t>2022-09-27</a:t>
             </a:fld>
             <a:endParaRPr lang="ko-KR" altLang="en-US"/>
           </a:p>
@@ -2072,7 +2072,7 @@
           <a:p>
             <a:fld id="{7223F498-D5D5-4AA7-A2DE-D0E93D90491D}" type="datetimeFigureOut">
               <a:rPr lang="ko-KR" altLang="en-US" smtClean="0"/>
-              <a:t>2022-09-26</a:t>
+              <a:t>2022-09-27</a:t>
             </a:fld>
             <a:endParaRPr lang="ko-KR" altLang="en-US"/>
           </a:p>
@@ -2383,7 +2383,7 @@
           <a:p>
             <a:fld id="{7223F498-D5D5-4AA7-A2DE-D0E93D90491D}" type="datetimeFigureOut">
               <a:rPr lang="ko-KR" altLang="en-US" smtClean="0"/>
-              <a:t>2022-09-26</a:t>
+              <a:t>2022-09-27</a:t>
             </a:fld>
             <a:endParaRPr lang="ko-KR" altLang="en-US"/>
           </a:p>
@@ -2671,7 +2671,7 @@
           <a:p>
             <a:fld id="{7223F498-D5D5-4AA7-A2DE-D0E93D90491D}" type="datetimeFigureOut">
               <a:rPr lang="ko-KR" altLang="en-US" smtClean="0"/>
-              <a:t>2022-09-26</a:t>
+              <a:t>2022-09-27</a:t>
             </a:fld>
             <a:endParaRPr lang="ko-KR" altLang="en-US"/>
           </a:p>
@@ -2912,7 +2912,7 @@
           <a:p>
             <a:fld id="{7223F498-D5D5-4AA7-A2DE-D0E93D90491D}" type="datetimeFigureOut">
               <a:rPr lang="ko-KR" altLang="en-US" smtClean="0"/>
-              <a:t>2022-09-26</a:t>
+              <a:t>2022-09-27</a:t>
             </a:fld>
             <a:endParaRPr lang="ko-KR" altLang="en-US"/>
           </a:p>
@@ -3488,7 +3488,7 @@
         </p:nvSpPr>
         <p:spPr>
           <a:xfrm>
-            <a:off x="10296089" y="1451295"/>
+            <a:off x="10296089" y="2004969"/>
             <a:ext cx="1459684" cy="251670"/>
           </a:xfrm>
           <a:prstGeom prst="rect">
@@ -3935,6 +3935,55 @@
             <a:r>
               <a:rPr lang="ko-KR" altLang="en-US"/>
               <a:t>글 목록</a:t>
+            </a:r>
+          </a:p>
+        </p:txBody>
+      </p:sp>
+      <p:sp>
+        <p:nvSpPr>
+          <p:cNvPr id="12" name="직사각형 11">
+            <a:extLst>
+              <a:ext uri="{FF2B5EF4-FFF2-40B4-BE49-F238E27FC236}">
+                <a16:creationId xmlns:a16="http://schemas.microsoft.com/office/drawing/2014/main" id="{FE7C1438-EB94-43E6-902C-D87C42238EE0}"/>
+              </a:ext>
+            </a:extLst>
+          </p:cNvPr>
+          <p:cNvSpPr/>
+          <p:nvPr/>
+        </p:nvSpPr>
+        <p:spPr>
+          <a:xfrm>
+            <a:off x="10296089" y="1451295"/>
+            <a:ext cx="1459684" cy="385894"/>
+          </a:xfrm>
+          <a:prstGeom prst="rect">
+            <a:avLst/>
+          </a:prstGeom>
+        </p:spPr>
+        <p:style>
+          <a:lnRef idx="2">
+            <a:schemeClr val="accent1">
+              <a:shade val="50000"/>
+            </a:schemeClr>
+          </a:lnRef>
+          <a:fillRef idx="1">
+            <a:schemeClr val="accent1"/>
+          </a:fillRef>
+          <a:effectRef idx="0">
+            <a:schemeClr val="accent1"/>
+          </a:effectRef>
+          <a:fontRef idx="minor">
+            <a:schemeClr val="lt1"/>
+          </a:fontRef>
+        </p:style>
+        <p:txBody>
+          <a:bodyPr rtlCol="0" anchor="ctr"/>
+          <a:lstStyle/>
+          <a:p>
+            <a:pPr algn="ctr"/>
+            <a:r>
+              <a:rPr lang="ko-KR" altLang="en-US" sz="1100" dirty="0"/>
+              <a:t>회원 정보</a:t>
             </a:r>
           </a:p>
         </p:txBody>
